--- a/AsiaMRL_20170819.pptx
+++ b/AsiaMRL_20170819.pptx
@@ -119,7 +119,7 @@
   </p:defaultTextStyle>
   <p:extLst>
     <p:ext uri="{521415D9-36F7-43E2-AB2F-B90AF26B5E84}">
-      <p14:sectionLst xmlns="" xmlns:p14="http://schemas.microsoft.com/office/powerpoint/2010/main">
+      <p14:sectionLst xmlns:p14="http://schemas.microsoft.com/office/powerpoint/2010/main" xmlns="">
         <p14:section name="預設章節" id="{0D87B6CB-195C-4178-AD70-4A4BE4AAC051}">
           <p14:sldIdLst>
             <p14:sldId id="256"/>
@@ -161,7 +161,7 @@
       </p14:sectionLst>
     </p:ext>
     <p:ext uri="{EFAFB233-063F-42B5-8137-9DF3F51BA10A}">
-      <p15:sldGuideLst xmlns="" xmlns:p15="http://schemas.microsoft.com/office/powerpoint/2012/main">
+      <p15:sldGuideLst xmlns:p15="http://schemas.microsoft.com/office/powerpoint/2012/main" xmlns="">
         <p15:guide id="1" orient="horz" pos="482" userDrawn="1">
           <p15:clr>
             <a:srgbClr val="A4A3A4"/>
@@ -584,6 +584,18 @@
           <a:bodyPr/>
           <a:lstStyle/>
           <a:p>
+            <a:r>
+              <a:rPr lang="en-US" altLang="zh-TW" smtClean="0"/>
+              <a:t>ICONS</a:t>
+            </a:r>
+            <a:r>
+              <a:rPr lang="zh-TW" altLang="en-US" smtClean="0"/>
+              <a:t> </a:t>
+            </a:r>
+            <a:r>
+              <a:rPr lang="en-US" altLang="zh-TW" smtClean="0"/>
+              <a:t>from https://www.flaticon.com/</a:t>
+            </a:r>
             <a:endParaRPr lang="zh-TW" altLang="en-US" dirty="0"/>
           </a:p>
         </p:txBody>
@@ -615,7 +627,7 @@
     </p:spTree>
     <p:extLst>
       <p:ext uri="{BB962C8B-B14F-4D97-AF65-F5344CB8AC3E}">
-        <p14:creationId xmlns="" xmlns:p14="http://schemas.microsoft.com/office/powerpoint/2010/main" val="2999063006"/>
+        <p14:creationId xmlns:p14="http://schemas.microsoft.com/office/powerpoint/2010/main" xmlns="" val="2999063006"/>
       </p:ext>
     </p:extLst>
   </p:cSld>
@@ -4929,21 +4941,8 @@
                   <a:schemeClr val="tx1"/>
                 </a:solidFill>
               </a:rPr>
-              <a:t>: </a:t>
-            </a:r>
-            <a:r>
-              <a:rPr lang="en-US" altLang="zh-TW" sz="2000" smtClean="0">
-                <a:solidFill>
-                  <a:schemeClr val="tx1"/>
-                </a:solidFill>
-              </a:rPr>
-              <a:t>Brand</a:t>
-            </a:r>
-            <a:endParaRPr lang="en-US" altLang="zh-TW" sz="2000" smtClean="0">
-              <a:solidFill>
-                <a:schemeClr val="tx1"/>
-              </a:solidFill>
-            </a:endParaRPr>
+              <a:t>: Brand</a:t>
+            </a:r>
           </a:p>
           <a:p>
             <a:pPr marL="285750" indent="-285750">
@@ -4956,15 +4955,7 @@
                   <a:schemeClr val="tx1"/>
                 </a:solidFill>
               </a:rPr>
-              <a:t>Plant </a:t>
-            </a:r>
-            <a:r>
-              <a:rPr lang="en-US" altLang="zh-TW" sz="2000" b="1" smtClean="0">
-                <a:solidFill>
-                  <a:schemeClr val="tx1"/>
-                </a:solidFill>
-              </a:rPr>
-              <a:t>Diseases</a:t>
+              <a:t>Plant Diseases</a:t>
             </a:r>
           </a:p>
           <a:p>
@@ -4988,11 +4979,6 @@
               </a:rPr>
               <a:t>MRL violation</a:t>
             </a:r>
-            <a:endParaRPr lang="en-US" altLang="zh-TW" sz="2000" b="1" smtClean="0">
-              <a:solidFill>
-                <a:schemeClr val="tx1"/>
-              </a:solidFill>
-            </a:endParaRPr>
           </a:p>
           <a:p>
             <a:pPr marL="285750" indent="-285750">
@@ -5040,7 +5026,7 @@
     </p:spTree>
     <p:extLst>
       <p:ext uri="{BB962C8B-B14F-4D97-AF65-F5344CB8AC3E}">
-        <p14:creationId xmlns:p14="http://schemas.microsoft.com/office/powerpoint/2010/main" xmlns="" val="35372448"/>
+        <p14:creationId xmlns="" xmlns:p14="http://schemas.microsoft.com/office/powerpoint/2010/main" val="35372448"/>
       </p:ext>
     </p:extLst>
   </p:cSld>
@@ -5092,7 +5078,7 @@
             <a:blip r:embed="rId2" cstate="print">
               <a:extLst>
                 <a:ext uri="{28A0092B-C50C-407E-A947-70E740481C1C}">
-                  <a14:useLocalDpi xmlns:a14="http://schemas.microsoft.com/office/drawing/2010/main" xmlns="" val="0"/>
+                  <a14:useLocalDpi xmlns="" xmlns:a14="http://schemas.microsoft.com/office/drawing/2010/main" val="0"/>
                 </a:ext>
               </a:extLst>
             </a:blip>
@@ -5148,7 +5134,7 @@
             <a:blip r:embed="rId3" cstate="print">
               <a:extLst>
                 <a:ext uri="{28A0092B-C50C-407E-A947-70E740481C1C}">
-                  <a14:useLocalDpi xmlns:a14="http://schemas.microsoft.com/office/drawing/2010/main" xmlns="" val="0"/>
+                  <a14:useLocalDpi xmlns="" xmlns:a14="http://schemas.microsoft.com/office/drawing/2010/main" val="0"/>
                 </a:ext>
               </a:extLst>
             </a:blip>
@@ -5204,7 +5190,7 @@
             <a:blip r:embed="rId4" cstate="print">
               <a:extLst>
                 <a:ext uri="{28A0092B-C50C-407E-A947-70E740481C1C}">
-                  <a14:useLocalDpi xmlns:a14="http://schemas.microsoft.com/office/drawing/2010/main" xmlns="" val="0"/>
+                  <a14:useLocalDpi xmlns="" xmlns:a14="http://schemas.microsoft.com/office/drawing/2010/main" val="0"/>
                 </a:ext>
               </a:extLst>
             </a:blip>
@@ -5545,10 +5531,6 @@
               <a:rPr lang="en-US" altLang="zh-TW" sz="2400" smtClean="0"/>
               <a:t>bio</a:t>
             </a:r>
-            <a:r>
-              <a:rPr lang="en-US" altLang="zh-TW" sz="2400" smtClean="0"/>
-              <a:t/>
-            </a:r>
             <a:br>
               <a:rPr lang="en-US" altLang="zh-TW" sz="2400" smtClean="0"/>
             </a:br>
@@ -5635,10 +5617,6 @@
               <a:rPr lang="en-US" altLang="zh-TW" sz="2400" smtClean="0"/>
               <a:t>bio</a:t>
             </a:r>
-            <a:r>
-              <a:rPr lang="en-US" altLang="zh-TW" sz="2400" smtClean="0"/>
-              <a:t/>
-            </a:r>
             <a:br>
               <a:rPr lang="en-US" altLang="zh-TW" sz="2400" smtClean="0"/>
             </a:br>
@@ -5719,15 +5697,7 @@
             </a:pPr>
             <a:r>
               <a:rPr lang="en-US" altLang="zh-TW" sz="2400" smtClean="0"/>
-              <a:t>#</a:t>
-            </a:r>
-            <a:r>
-              <a:rPr lang="en-US" altLang="zh-TW" sz="2400" smtClean="0"/>
-              <a:t>env </a:t>
-            </a:r>
-            <a:r>
-              <a:rPr lang="en-US" altLang="zh-TW" sz="2400" smtClean="0"/>
-              <a:t/>
+              <a:t>#env </a:t>
             </a:r>
             <a:br>
               <a:rPr lang="en-US" altLang="zh-TW" sz="2400" smtClean="0"/>
@@ -5810,10 +5780,6 @@
             <a:r>
               <a:rPr lang="en-US" altLang="zh-TW" sz="2400" smtClean="0"/>
               <a:t>#CS </a:t>
-            </a:r>
-            <a:r>
-              <a:rPr lang="en-US" altLang="zh-TW" sz="2400" smtClean="0"/>
-              <a:t/>
             </a:r>
             <a:br>
               <a:rPr lang="en-US" altLang="zh-TW" sz="2400" smtClean="0"/>
@@ -6052,7 +6018,7 @@
     </p:spTree>
     <p:extLst>
       <p:ext uri="{BB962C8B-B14F-4D97-AF65-F5344CB8AC3E}">
-        <p14:creationId xmlns:p14="http://schemas.microsoft.com/office/powerpoint/2010/main" xmlns="" val="2792698150"/>
+        <p14:creationId xmlns="" xmlns:p14="http://schemas.microsoft.com/office/powerpoint/2010/main" val="2792698150"/>
       </p:ext>
     </p:extLst>
   </p:cSld>
@@ -6192,7 +6158,7 @@
           <p:nvPr>
             <p:extLst>
               <p:ext uri="{D42A27DB-BD31-4B8C-83A1-F6EECF244321}">
-                <p14:modId xmlns:p14="http://schemas.microsoft.com/office/powerpoint/2010/main" xmlns="" val="1806616826"/>
+                <p14:modId xmlns="" xmlns:p14="http://schemas.microsoft.com/office/powerpoint/2010/main" val="1806616826"/>
               </p:ext>
             </p:extLst>
           </p:nvPr>
@@ -6211,21 +6177,21 @@
                 <a:gridCol w="2095150">
                   <a:extLst>
                     <a:ext uri="{9D8B030D-6E8A-4147-A177-3AD203B41FA5}">
-                      <a16:colId xmlns:a16="http://schemas.microsoft.com/office/drawing/2014/main" xmlns="" val="20000"/>
+                      <a16:colId xmlns="" xmlns:a16="http://schemas.microsoft.com/office/drawing/2014/main" val="20000"/>
                     </a:ext>
                   </a:extLst>
                 </a:gridCol>
                 <a:gridCol w="3591686">
                   <a:extLst>
                     <a:ext uri="{9D8B030D-6E8A-4147-A177-3AD203B41FA5}">
-                      <a16:colId xmlns:a16="http://schemas.microsoft.com/office/drawing/2014/main" xmlns="" val="20001"/>
+                      <a16:colId xmlns="" xmlns:a16="http://schemas.microsoft.com/office/drawing/2014/main" val="20001"/>
                     </a:ext>
                   </a:extLst>
                 </a:gridCol>
                 <a:gridCol w="3292378">
                   <a:extLst>
                     <a:ext uri="{9D8B030D-6E8A-4147-A177-3AD203B41FA5}">
-                      <a16:colId xmlns:a16="http://schemas.microsoft.com/office/drawing/2014/main" xmlns="" val="20002"/>
+                      <a16:colId xmlns="" xmlns:a16="http://schemas.microsoft.com/office/drawing/2014/main" val="20002"/>
                     </a:ext>
                   </a:extLst>
                 </a:gridCol>
@@ -6363,7 +6329,7 @@
                 </a:tc>
                 <a:extLst>
                   <a:ext uri="{0D108BD9-81ED-4DB2-BD59-A6C34878D82A}">
-                    <a16:rowId xmlns:a16="http://schemas.microsoft.com/office/drawing/2014/main" xmlns="" val="10000"/>
+                    <a16:rowId xmlns="" xmlns:a16="http://schemas.microsoft.com/office/drawing/2014/main" val="10000"/>
                   </a:ext>
                 </a:extLst>
               </a:tr>
@@ -6487,7 +6453,7 @@
                 </a:tc>
                 <a:extLst>
                   <a:ext uri="{0D108BD9-81ED-4DB2-BD59-A6C34878D82A}">
-                    <a16:rowId xmlns:a16="http://schemas.microsoft.com/office/drawing/2014/main" xmlns="" val="10001"/>
+                    <a16:rowId xmlns="" xmlns:a16="http://schemas.microsoft.com/office/drawing/2014/main" val="10001"/>
                   </a:ext>
                 </a:extLst>
               </a:tr>
@@ -6691,7 +6657,7 @@
                 </a:tc>
                 <a:extLst>
                   <a:ext uri="{0D108BD9-81ED-4DB2-BD59-A6C34878D82A}">
-                    <a16:rowId xmlns:a16="http://schemas.microsoft.com/office/drawing/2014/main" xmlns="" val="10002"/>
+                    <a16:rowId xmlns="" xmlns:a16="http://schemas.microsoft.com/office/drawing/2014/main" val="10002"/>
                   </a:ext>
                 </a:extLst>
               </a:tr>
@@ -7024,7 +6990,7 @@
           <p:cNvPr id="24" name="圖片 23">
             <a:extLst>
               <a:ext uri="{FF2B5EF4-FFF2-40B4-BE49-F238E27FC236}">
-                <a16:creationId xmlns:a16="http://schemas.microsoft.com/office/drawing/2014/main" xmlns="" id="{D14563C2-85B9-4834-8FE0-B23EDE421DE1}"/>
+                <a16:creationId xmlns="" xmlns:a16="http://schemas.microsoft.com/office/drawing/2014/main" id="{D14563C2-85B9-4834-8FE0-B23EDE421DE1}"/>
               </a:ext>
             </a:extLst>
           </p:cNvPr>
@@ -7035,7 +7001,7 @@
           <a:blip r:embed="rId5" cstate="print">
             <a:extLst>
               <a:ext uri="{28A0092B-C50C-407E-A947-70E740481C1C}">
-                <a14:useLocalDpi xmlns:a14="http://schemas.microsoft.com/office/drawing/2010/main" xmlns="" val="0"/>
+                <a14:useLocalDpi xmlns="" xmlns:a14="http://schemas.microsoft.com/office/drawing/2010/main" val="0"/>
               </a:ext>
             </a:extLst>
           </a:blip>
@@ -7072,7 +7038,7 @@
           <p:cNvPr id="25" name="圖片 24">
             <a:extLst>
               <a:ext uri="{FF2B5EF4-FFF2-40B4-BE49-F238E27FC236}">
-                <a16:creationId xmlns:a16="http://schemas.microsoft.com/office/drawing/2014/main" xmlns="" id="{018F0AF0-BEB3-40FB-93A2-BA0A98435EA0}"/>
+                <a16:creationId xmlns="" xmlns:a16="http://schemas.microsoft.com/office/drawing/2014/main" id="{018F0AF0-BEB3-40FB-93A2-BA0A98435EA0}"/>
               </a:ext>
             </a:extLst>
           </p:cNvPr>
@@ -7083,7 +7049,7 @@
           <a:blip r:embed="rId6" cstate="print">
             <a:extLst>
               <a:ext uri="{28A0092B-C50C-407E-A947-70E740481C1C}">
-                <a14:useLocalDpi xmlns:a14="http://schemas.microsoft.com/office/drawing/2010/main" xmlns="" val="0"/>
+                <a14:useLocalDpi xmlns="" xmlns:a14="http://schemas.microsoft.com/office/drawing/2010/main" val="0"/>
               </a:ext>
             </a:extLst>
           </a:blip>
@@ -7120,7 +7086,7 @@
           <p:cNvPr id="26" name="圖片 25">
             <a:extLst>
               <a:ext uri="{FF2B5EF4-FFF2-40B4-BE49-F238E27FC236}">
-                <a16:creationId xmlns:a16="http://schemas.microsoft.com/office/drawing/2014/main" xmlns="" id="{77D884FE-C967-4639-89B0-C0F4B07E3A5C}"/>
+                <a16:creationId xmlns="" xmlns:a16="http://schemas.microsoft.com/office/drawing/2014/main" id="{77D884FE-C967-4639-89B0-C0F4B07E3A5C}"/>
               </a:ext>
             </a:extLst>
           </p:cNvPr>
@@ -7131,7 +7097,7 @@
           <a:blip r:embed="rId7" cstate="print">
             <a:extLst>
               <a:ext uri="{28A0092B-C50C-407E-A947-70E740481C1C}">
-                <a14:useLocalDpi xmlns:a14="http://schemas.microsoft.com/office/drawing/2010/main" xmlns="" val="0"/>
+                <a14:useLocalDpi xmlns="" xmlns:a14="http://schemas.microsoft.com/office/drawing/2010/main" val="0"/>
               </a:ext>
             </a:extLst>
           </a:blip>
@@ -7401,7 +7367,7 @@
           <p:cNvPr id="3" name="群組 2">
             <a:extLst>
               <a:ext uri="{FF2B5EF4-FFF2-40B4-BE49-F238E27FC236}">
-                <a16:creationId xmlns:a16="http://schemas.microsoft.com/office/drawing/2014/main" xmlns="" id="{F598B943-87AD-4DF7-BF1B-671DF7DECD72}"/>
+                <a16:creationId xmlns="" xmlns:a16="http://schemas.microsoft.com/office/drawing/2014/main" id="{F598B943-87AD-4DF7-BF1B-671DF7DECD72}"/>
               </a:ext>
             </a:extLst>
           </p:cNvPr>
@@ -7421,7 +7387,7 @@
             <p:cNvPr id="8" name="Table 2">
               <a:extLst>
                 <a:ext uri="{FF2B5EF4-FFF2-40B4-BE49-F238E27FC236}">
-                  <a16:creationId xmlns:a16="http://schemas.microsoft.com/office/drawing/2014/main" xmlns="" id="{53884DFA-768B-4404-B974-454925C88AED}"/>
+                  <a16:creationId xmlns="" xmlns:a16="http://schemas.microsoft.com/office/drawing/2014/main" id="{53884DFA-768B-4404-B974-454925C88AED}"/>
                 </a:ext>
               </a:extLst>
             </p:cNvPr>
@@ -7429,7 +7395,7 @@
             <p:nvPr>
               <p:extLst>
                 <p:ext uri="{D42A27DB-BD31-4B8C-83A1-F6EECF244321}">
-                  <p14:modId xmlns:p14="http://schemas.microsoft.com/office/powerpoint/2010/main" xmlns="" val="202407360"/>
+                  <p14:modId xmlns="" xmlns:p14="http://schemas.microsoft.com/office/powerpoint/2010/main" val="202407360"/>
                 </p:ext>
               </p:extLst>
             </p:nvPr>
@@ -7448,35 +7414,35 @@
                   <a:gridCol w="1780214">
                     <a:extLst>
                       <a:ext uri="{9D8B030D-6E8A-4147-A177-3AD203B41FA5}">
-                        <a16:colId xmlns:a16="http://schemas.microsoft.com/office/drawing/2014/main" xmlns="" val="20000"/>
+                        <a16:colId xmlns="" xmlns:a16="http://schemas.microsoft.com/office/drawing/2014/main" val="20000"/>
                       </a:ext>
                     </a:extLst>
                   </a:gridCol>
                   <a:gridCol w="1694273">
                     <a:extLst>
                       <a:ext uri="{9D8B030D-6E8A-4147-A177-3AD203B41FA5}">
-                        <a16:colId xmlns:a16="http://schemas.microsoft.com/office/drawing/2014/main" xmlns="" val="20001"/>
+                        <a16:colId xmlns="" xmlns:a16="http://schemas.microsoft.com/office/drawing/2014/main" val="20001"/>
                       </a:ext>
                     </a:extLst>
                   </a:gridCol>
                   <a:gridCol w="1694273">
                     <a:extLst>
                       <a:ext uri="{9D8B030D-6E8A-4147-A177-3AD203B41FA5}">
-                        <a16:colId xmlns:a16="http://schemas.microsoft.com/office/drawing/2014/main" xmlns="" val="20002"/>
+                        <a16:colId xmlns="" xmlns:a16="http://schemas.microsoft.com/office/drawing/2014/main" val="20002"/>
                       </a:ext>
                     </a:extLst>
                   </a:gridCol>
                   <a:gridCol w="1694273">
                     <a:extLst>
                       <a:ext uri="{9D8B030D-6E8A-4147-A177-3AD203B41FA5}">
-                        <a16:colId xmlns:a16="http://schemas.microsoft.com/office/drawing/2014/main" xmlns="" val="20003"/>
+                        <a16:colId xmlns="" xmlns:a16="http://schemas.microsoft.com/office/drawing/2014/main" val="20003"/>
                       </a:ext>
                     </a:extLst>
                   </a:gridCol>
                   <a:gridCol w="1639951">
                     <a:extLst>
                       <a:ext uri="{9D8B030D-6E8A-4147-A177-3AD203B41FA5}">
-                        <a16:colId xmlns:a16="http://schemas.microsoft.com/office/drawing/2014/main" xmlns="" val="20004"/>
+                        <a16:colId xmlns="" xmlns:a16="http://schemas.microsoft.com/office/drawing/2014/main" val="20004"/>
                       </a:ext>
                     </a:extLst>
                   </a:gridCol>
@@ -7639,7 +7605,7 @@
                   </a:tc>
                   <a:extLst>
                     <a:ext uri="{0D108BD9-81ED-4DB2-BD59-A6C34878D82A}">
-                      <a16:rowId xmlns:a16="http://schemas.microsoft.com/office/drawing/2014/main" xmlns="" val="10000"/>
+                      <a16:rowId xmlns="" xmlns:a16="http://schemas.microsoft.com/office/drawing/2014/main" val="10000"/>
                     </a:ext>
                   </a:extLst>
                 </a:tr>
@@ -7831,7 +7797,7 @@
                   </a:tc>
                   <a:extLst>
                     <a:ext uri="{0D108BD9-81ED-4DB2-BD59-A6C34878D82A}">
-                      <a16:rowId xmlns:a16="http://schemas.microsoft.com/office/drawing/2014/main" xmlns="" val="10001"/>
+                      <a16:rowId xmlns="" xmlns:a16="http://schemas.microsoft.com/office/drawing/2014/main" val="10001"/>
                     </a:ext>
                   </a:extLst>
                 </a:tr>
@@ -8023,7 +7989,7 @@
                   </a:tc>
                   <a:extLst>
                     <a:ext uri="{0D108BD9-81ED-4DB2-BD59-A6C34878D82A}">
-                      <a16:rowId xmlns:a16="http://schemas.microsoft.com/office/drawing/2014/main" xmlns="" val="10002"/>
+                      <a16:rowId xmlns="" xmlns:a16="http://schemas.microsoft.com/office/drawing/2014/main" val="10002"/>
                     </a:ext>
                   </a:extLst>
                 </a:tr>
@@ -8036,7 +8002,7 @@
             <p:cNvPr id="10" name="圖片 9">
               <a:extLst>
                 <a:ext uri="{FF2B5EF4-FFF2-40B4-BE49-F238E27FC236}">
-                  <a16:creationId xmlns:a16="http://schemas.microsoft.com/office/drawing/2014/main" xmlns="" id="{C05D8E3A-2426-4E7E-BEF9-C0EC70E42ADC}"/>
+                  <a16:creationId xmlns="" xmlns:a16="http://schemas.microsoft.com/office/drawing/2014/main" id="{C05D8E3A-2426-4E7E-BEF9-C0EC70E42ADC}"/>
                 </a:ext>
               </a:extLst>
             </p:cNvPr>
@@ -8047,7 +8013,7 @@
             <a:blip r:embed="rId3" cstate="print">
               <a:extLst>
                 <a:ext uri="{28A0092B-C50C-407E-A947-70E740481C1C}">
-                  <a14:useLocalDpi xmlns:a14="http://schemas.microsoft.com/office/drawing/2010/main" xmlns="" val="0"/>
+                  <a14:useLocalDpi xmlns="" xmlns:a14="http://schemas.microsoft.com/office/drawing/2010/main" val="0"/>
                 </a:ext>
               </a:extLst>
             </a:blip>
@@ -8084,7 +8050,7 @@
             <p:cNvPr id="11" name="圖片 10">
               <a:extLst>
                 <a:ext uri="{FF2B5EF4-FFF2-40B4-BE49-F238E27FC236}">
-                  <a16:creationId xmlns:a16="http://schemas.microsoft.com/office/drawing/2014/main" xmlns="" id="{018F0AF0-BEB3-40FB-93A2-BA0A98435EA0}"/>
+                  <a16:creationId xmlns="" xmlns:a16="http://schemas.microsoft.com/office/drawing/2014/main" id="{018F0AF0-BEB3-40FB-93A2-BA0A98435EA0}"/>
                 </a:ext>
               </a:extLst>
             </p:cNvPr>
@@ -8095,7 +8061,7 @@
             <a:blip r:embed="rId4" cstate="print">
               <a:extLst>
                 <a:ext uri="{28A0092B-C50C-407E-A947-70E740481C1C}">
-                  <a14:useLocalDpi xmlns:a14="http://schemas.microsoft.com/office/drawing/2010/main" xmlns="" val="0"/>
+                  <a14:useLocalDpi xmlns="" xmlns:a14="http://schemas.microsoft.com/office/drawing/2010/main" val="0"/>
                 </a:ext>
               </a:extLst>
             </a:blip>
@@ -8132,7 +8098,7 @@
             <p:cNvPr id="12" name="圖片 11">
               <a:extLst>
                 <a:ext uri="{FF2B5EF4-FFF2-40B4-BE49-F238E27FC236}">
-                  <a16:creationId xmlns:a16="http://schemas.microsoft.com/office/drawing/2014/main" xmlns="" id="{D14563C2-85B9-4834-8FE0-B23EDE421DE1}"/>
+                  <a16:creationId xmlns="" xmlns:a16="http://schemas.microsoft.com/office/drawing/2014/main" id="{D14563C2-85B9-4834-8FE0-B23EDE421DE1}"/>
                 </a:ext>
               </a:extLst>
             </p:cNvPr>
@@ -8143,7 +8109,7 @@
             <a:blip r:embed="rId5" cstate="print">
               <a:extLst>
                 <a:ext uri="{28A0092B-C50C-407E-A947-70E740481C1C}">
-                  <a14:useLocalDpi xmlns:a14="http://schemas.microsoft.com/office/drawing/2010/main" xmlns="" val="0"/>
+                  <a14:useLocalDpi xmlns="" xmlns:a14="http://schemas.microsoft.com/office/drawing/2010/main" val="0"/>
                 </a:ext>
               </a:extLst>
             </a:blip>
@@ -8180,7 +8146,7 @@
             <p:cNvPr id="13" name="圖片 12">
               <a:extLst>
                 <a:ext uri="{FF2B5EF4-FFF2-40B4-BE49-F238E27FC236}">
-                  <a16:creationId xmlns:a16="http://schemas.microsoft.com/office/drawing/2014/main" xmlns="" id="{77D884FE-C967-4639-89B0-C0F4B07E3A5C}"/>
+                  <a16:creationId xmlns="" xmlns:a16="http://schemas.microsoft.com/office/drawing/2014/main" id="{77D884FE-C967-4639-89B0-C0F4B07E3A5C}"/>
                 </a:ext>
               </a:extLst>
             </p:cNvPr>
@@ -8191,7 +8157,7 @@
             <a:blip r:embed="rId6" cstate="print">
               <a:extLst>
                 <a:ext uri="{28A0092B-C50C-407E-A947-70E740481C1C}">
-                  <a14:useLocalDpi xmlns:a14="http://schemas.microsoft.com/office/drawing/2010/main" xmlns="" val="0"/>
+                  <a14:useLocalDpi xmlns="" xmlns:a14="http://schemas.microsoft.com/office/drawing/2010/main" val="0"/>
                 </a:ext>
               </a:extLst>
             </a:blip>
@@ -8318,38 +8284,6 @@
           </a:p>
         </p:txBody>
       </p:sp>
-      <p:pic>
-        <p:nvPicPr>
-          <p:cNvPr id="7" name="Picture 2"/>
-          <p:cNvPicPr>
-            <a:picLocks noChangeAspect="1" noChangeArrowheads="1"/>
-          </p:cNvPicPr>
-          <p:nvPr/>
-        </p:nvPicPr>
-        <p:blipFill>
-          <a:blip r:embed="rId2" cstate="print"/>
-          <a:srcRect t="96757" b="-68"/>
-          <a:stretch>
-            <a:fillRect/>
-          </a:stretch>
-        </p:blipFill>
-        <p:spPr bwMode="auto">
-          <a:xfrm>
-            <a:off x="395536" y="6243174"/>
-            <a:ext cx="9144000" cy="290976"/>
-          </a:xfrm>
-          <a:prstGeom prst="rect">
-            <a:avLst/>
-          </a:prstGeom>
-          <a:noFill/>
-          <a:ln w="9525">
-            <a:noFill/>
-            <a:miter lim="800000"/>
-            <a:headEnd/>
-            <a:tailEnd/>
-          </a:ln>
-        </p:spPr>
-      </p:pic>
       <p:sp>
         <p:nvSpPr>
           <p:cNvPr id="11" name="內容版面配置區 2"/>
@@ -8520,7 +8454,7 @@
           <p:cNvPr id="6" name="箭號: 弧形下彎 5">
             <a:extLst>
               <a:ext uri="{FF2B5EF4-FFF2-40B4-BE49-F238E27FC236}">
-                <a16:creationId xmlns:a16="http://schemas.microsoft.com/office/drawing/2014/main" xmlns="" id="{04125AA0-B698-4B9E-86EB-E59BA281F738}"/>
+                <a16:creationId xmlns="" xmlns:a16="http://schemas.microsoft.com/office/drawing/2014/main" id="{04125AA0-B698-4B9E-86EB-E59BA281F738}"/>
               </a:ext>
             </a:extLst>
           </p:cNvPr>
@@ -8576,7 +8510,7 @@
           <p:cNvPr id="8" name="乘號 7">
             <a:extLst>
               <a:ext uri="{FF2B5EF4-FFF2-40B4-BE49-F238E27FC236}">
-                <a16:creationId xmlns:a16="http://schemas.microsoft.com/office/drawing/2014/main" xmlns="" id="{0CBC53CE-DFA2-4B7F-AB3C-81600475BEE1}"/>
+                <a16:creationId xmlns="" xmlns:a16="http://schemas.microsoft.com/office/drawing/2014/main" id="{0CBC53CE-DFA2-4B7F-AB3C-81600475BEE1}"/>
               </a:ext>
             </a:extLst>
           </p:cNvPr>
@@ -11053,7 +10987,7 @@
           <p:cNvPr id="38" name="圖片 37">
             <a:extLst>
               <a:ext uri="{FF2B5EF4-FFF2-40B4-BE49-F238E27FC236}">
-                <a16:creationId xmlns:a16="http://schemas.microsoft.com/office/drawing/2014/main" xmlns="" id="{C05D8E3A-2426-4E7E-BEF9-C0EC70E42ADC}"/>
+                <a16:creationId xmlns="" xmlns:a16="http://schemas.microsoft.com/office/drawing/2014/main" id="{C05D8E3A-2426-4E7E-BEF9-C0EC70E42ADC}"/>
               </a:ext>
             </a:extLst>
           </p:cNvPr>
@@ -11064,7 +10998,7 @@
           <a:blip r:embed="rId2" cstate="print">
             <a:extLst>
               <a:ext uri="{28A0092B-C50C-407E-A947-70E740481C1C}">
-                <a14:useLocalDpi xmlns:a14="http://schemas.microsoft.com/office/drawing/2010/main" xmlns="" val="0"/>
+                <a14:useLocalDpi xmlns="" xmlns:a14="http://schemas.microsoft.com/office/drawing/2010/main" val="0"/>
               </a:ext>
             </a:extLst>
           </a:blip>
@@ -11101,7 +11035,7 @@
           <p:cNvPr id="39" name="圖片 38">
             <a:extLst>
               <a:ext uri="{FF2B5EF4-FFF2-40B4-BE49-F238E27FC236}">
-                <a16:creationId xmlns:a16="http://schemas.microsoft.com/office/drawing/2014/main" xmlns="" id="{D14563C2-85B9-4834-8FE0-B23EDE421DE1}"/>
+                <a16:creationId xmlns="" xmlns:a16="http://schemas.microsoft.com/office/drawing/2014/main" id="{D14563C2-85B9-4834-8FE0-B23EDE421DE1}"/>
               </a:ext>
             </a:extLst>
           </p:cNvPr>
@@ -11112,7 +11046,7 @@
           <a:blip r:embed="rId3" cstate="print">
             <a:extLst>
               <a:ext uri="{28A0092B-C50C-407E-A947-70E740481C1C}">
-                <a14:useLocalDpi xmlns:a14="http://schemas.microsoft.com/office/drawing/2010/main" xmlns="" val="0"/>
+                <a14:useLocalDpi xmlns="" xmlns:a14="http://schemas.microsoft.com/office/drawing/2010/main" val="0"/>
               </a:ext>
             </a:extLst>
           </a:blip>
@@ -11149,7 +11083,7 @@
           <p:cNvPr id="40" name="圖片 39">
             <a:extLst>
               <a:ext uri="{FF2B5EF4-FFF2-40B4-BE49-F238E27FC236}">
-                <a16:creationId xmlns:a16="http://schemas.microsoft.com/office/drawing/2014/main" xmlns="" id="{018F0AF0-BEB3-40FB-93A2-BA0A98435EA0}"/>
+                <a16:creationId xmlns="" xmlns:a16="http://schemas.microsoft.com/office/drawing/2014/main" id="{018F0AF0-BEB3-40FB-93A2-BA0A98435EA0}"/>
               </a:ext>
             </a:extLst>
           </p:cNvPr>
@@ -11160,7 +11094,7 @@
           <a:blip r:embed="rId4" cstate="print">
             <a:extLst>
               <a:ext uri="{28A0092B-C50C-407E-A947-70E740481C1C}">
-                <a14:useLocalDpi xmlns:a14="http://schemas.microsoft.com/office/drawing/2010/main" xmlns="" val="0"/>
+                <a14:useLocalDpi xmlns="" xmlns:a14="http://schemas.microsoft.com/office/drawing/2010/main" val="0"/>
               </a:ext>
             </a:extLst>
           </a:blip>
@@ -11197,7 +11131,7 @@
           <p:cNvPr id="41" name="圖片 40">
             <a:extLst>
               <a:ext uri="{FF2B5EF4-FFF2-40B4-BE49-F238E27FC236}">
-                <a16:creationId xmlns:a16="http://schemas.microsoft.com/office/drawing/2014/main" xmlns="" id="{77D884FE-C967-4639-89B0-C0F4B07E3A5C}"/>
+                <a16:creationId xmlns="" xmlns:a16="http://schemas.microsoft.com/office/drawing/2014/main" id="{77D884FE-C967-4639-89B0-C0F4B07E3A5C}"/>
               </a:ext>
             </a:extLst>
           </p:cNvPr>
@@ -11208,7 +11142,7 @@
           <a:blip r:embed="rId5" cstate="print">
             <a:extLst>
               <a:ext uri="{28A0092B-C50C-407E-A947-70E740481C1C}">
-                <a14:useLocalDpi xmlns:a14="http://schemas.microsoft.com/office/drawing/2010/main" xmlns="" val="0"/>
+                <a14:useLocalDpi xmlns="" xmlns:a14="http://schemas.microsoft.com/office/drawing/2010/main" val="0"/>
               </a:ext>
             </a:extLst>
           </a:blip>
@@ -11431,7 +11365,7 @@
     </p:spTree>
     <p:extLst>
       <p:ext uri="{BB962C8B-B14F-4D97-AF65-F5344CB8AC3E}">
-        <p14:creationId xmlns:p14="http://schemas.microsoft.com/office/powerpoint/2010/main" xmlns="" val="2792698150"/>
+        <p14:creationId xmlns="" xmlns:p14="http://schemas.microsoft.com/office/powerpoint/2010/main" val="2792698150"/>
       </p:ext>
     </p:extLst>
   </p:cSld>
